--- a/Referencias/Arquitectura.pptx
+++ b/Referencias/Arquitectura.pptx
@@ -6,7 +6,7 @@
   </p:sldMasterIdLst>
   <p:sldIdLst>
     <p:sldId id="257" r:id="rId2"/>
-    <p:sldId id="258" r:id="rId3"/>
+    <p:sldId id="259" r:id="rId3"/>
   </p:sldIdLst>
   <p:sldSz cx="12192000" cy="6858000"/>
   <p:notesSz cx="6858000" cy="9144000"/>
@@ -244,7 +244,7 @@
           <a:p>
             <a:fld id="{C5577D73-68BA-453D-B6AD-6CDB7B4EAACE}" type="datetimeFigureOut">
               <a:rPr lang="es-MX" smtClean="0"/>
-              <a:t>27/02/2019</a:t>
+              <a:t>10/03/2019</a:t>
             </a:fld>
             <a:endParaRPr lang="es-MX"/>
           </a:p>
@@ -414,7 +414,7 @@
           <a:p>
             <a:fld id="{C5577D73-68BA-453D-B6AD-6CDB7B4EAACE}" type="datetimeFigureOut">
               <a:rPr lang="es-MX" smtClean="0"/>
-              <a:t>27/02/2019</a:t>
+              <a:t>10/03/2019</a:t>
             </a:fld>
             <a:endParaRPr lang="es-MX"/>
           </a:p>
@@ -594,7 +594,7 @@
           <a:p>
             <a:fld id="{C5577D73-68BA-453D-B6AD-6CDB7B4EAACE}" type="datetimeFigureOut">
               <a:rPr lang="es-MX" smtClean="0"/>
-              <a:t>27/02/2019</a:t>
+              <a:t>10/03/2019</a:t>
             </a:fld>
             <a:endParaRPr lang="es-MX"/>
           </a:p>
@@ -764,7 +764,7 @@
           <a:p>
             <a:fld id="{C5577D73-68BA-453D-B6AD-6CDB7B4EAACE}" type="datetimeFigureOut">
               <a:rPr lang="es-MX" smtClean="0"/>
-              <a:t>27/02/2019</a:t>
+              <a:t>10/03/2019</a:t>
             </a:fld>
             <a:endParaRPr lang="es-MX"/>
           </a:p>
@@ -1010,7 +1010,7 @@
           <a:p>
             <a:fld id="{C5577D73-68BA-453D-B6AD-6CDB7B4EAACE}" type="datetimeFigureOut">
               <a:rPr lang="es-MX" smtClean="0"/>
-              <a:t>27/02/2019</a:t>
+              <a:t>10/03/2019</a:t>
             </a:fld>
             <a:endParaRPr lang="es-MX"/>
           </a:p>
@@ -1242,7 +1242,7 @@
           <a:p>
             <a:fld id="{C5577D73-68BA-453D-B6AD-6CDB7B4EAACE}" type="datetimeFigureOut">
               <a:rPr lang="es-MX" smtClean="0"/>
-              <a:t>27/02/2019</a:t>
+              <a:t>10/03/2019</a:t>
             </a:fld>
             <a:endParaRPr lang="es-MX"/>
           </a:p>
@@ -1609,7 +1609,7 @@
           <a:p>
             <a:fld id="{C5577D73-68BA-453D-B6AD-6CDB7B4EAACE}" type="datetimeFigureOut">
               <a:rPr lang="es-MX" smtClean="0"/>
-              <a:t>27/02/2019</a:t>
+              <a:t>10/03/2019</a:t>
             </a:fld>
             <a:endParaRPr lang="es-MX"/>
           </a:p>
@@ -1727,7 +1727,7 @@
           <a:p>
             <a:fld id="{C5577D73-68BA-453D-B6AD-6CDB7B4EAACE}" type="datetimeFigureOut">
               <a:rPr lang="es-MX" smtClean="0"/>
-              <a:t>27/02/2019</a:t>
+              <a:t>10/03/2019</a:t>
             </a:fld>
             <a:endParaRPr lang="es-MX"/>
           </a:p>
@@ -1822,7 +1822,7 @@
           <a:p>
             <a:fld id="{C5577D73-68BA-453D-B6AD-6CDB7B4EAACE}" type="datetimeFigureOut">
               <a:rPr lang="es-MX" smtClean="0"/>
-              <a:t>27/02/2019</a:t>
+              <a:t>10/03/2019</a:t>
             </a:fld>
             <a:endParaRPr lang="es-MX"/>
           </a:p>
@@ -2099,7 +2099,7 @@
           <a:p>
             <a:fld id="{C5577D73-68BA-453D-B6AD-6CDB7B4EAACE}" type="datetimeFigureOut">
               <a:rPr lang="es-MX" smtClean="0"/>
-              <a:t>27/02/2019</a:t>
+              <a:t>10/03/2019</a:t>
             </a:fld>
             <a:endParaRPr lang="es-MX"/>
           </a:p>
@@ -2352,7 +2352,7 @@
           <a:p>
             <a:fld id="{C5577D73-68BA-453D-B6AD-6CDB7B4EAACE}" type="datetimeFigureOut">
               <a:rPr lang="es-MX" smtClean="0"/>
-              <a:t>27/02/2019</a:t>
+              <a:t>10/03/2019</a:t>
             </a:fld>
             <a:endParaRPr lang="es-MX"/>
           </a:p>
@@ -2565,7 +2565,7 @@
           <a:p>
             <a:fld id="{C5577D73-68BA-453D-B6AD-6CDB7B4EAACE}" type="datetimeFigureOut">
               <a:rPr lang="es-MX" smtClean="0"/>
-              <a:t>27/02/2019</a:t>
+              <a:t>10/03/2019</a:t>
             </a:fld>
             <a:endParaRPr lang="es-MX"/>
           </a:p>
@@ -3087,7 +3087,7 @@
         </p:blipFill>
         <p:spPr bwMode="auto">
           <a:xfrm>
-            <a:off x="5549076" y="1404978"/>
+            <a:off x="5144530" y="1409515"/>
             <a:ext cx="619610" cy="480197"/>
           </a:xfrm>
           <a:prstGeom prst="rect">
@@ -3217,8 +3217,8 @@
         </p:nvSpPr>
         <p:spPr>
           <a:xfrm>
-            <a:off x="5340061" y="3704113"/>
-            <a:ext cx="1180516" cy="307777"/>
+            <a:off x="5585513" y="3704113"/>
+            <a:ext cx="689612" cy="307777"/>
           </a:xfrm>
           <a:prstGeom prst="rect">
             <a:avLst/>
@@ -3234,8 +3234,9 @@
             <a:pPr algn="ctr"/>
             <a:r>
               <a:rPr lang="es-MX" sz="1400" dirty="0" smtClean="0"/>
-              <a:t>Red Neuronal</a:t>
-            </a:r>
+              <a:t>ARIMA</a:t>
+            </a:r>
+            <a:endParaRPr lang="es-MX" sz="1400" dirty="0" smtClean="0"/>
           </a:p>
         </p:txBody>
       </p:sp>
@@ -3707,6 +3708,47 @@
           </a:p>
         </p:txBody>
       </p:sp>
+      <p:pic>
+        <p:nvPicPr>
+          <p:cNvPr id="27" name="Picture 22" descr="Resultado de imagen para python"/>
+          <p:cNvPicPr>
+            <a:picLocks noChangeAspect="1" noChangeArrowheads="1"/>
+          </p:cNvPicPr>
+          <p:nvPr/>
+        </p:nvPicPr>
+        <p:blipFill>
+          <a:blip r:embed="rId3" cstate="print">
+            <a:extLst>
+              <a:ext uri="{28A0092B-C50C-407E-A947-70E740481C1C}">
+                <a14:useLocalDpi xmlns:a14="http://schemas.microsoft.com/office/drawing/2010/main" val="0"/>
+              </a:ext>
+            </a:extLst>
+          </a:blip>
+          <a:srcRect/>
+          <a:stretch>
+            <a:fillRect/>
+          </a:stretch>
+        </p:blipFill>
+        <p:spPr bwMode="auto">
+          <a:xfrm>
+            <a:off x="6096456" y="1419645"/>
+            <a:ext cx="465612" cy="465612"/>
+          </a:xfrm>
+          <a:prstGeom prst="rect">
+            <a:avLst/>
+          </a:prstGeom>
+          <a:noFill/>
+          <a:extLst>
+            <a:ext uri="{909E8E84-426E-40DD-AFC4-6F175D3DCCD1}">
+              <a14:hiddenFill xmlns:a14="http://schemas.microsoft.com/office/drawing/2010/main">
+                <a:solidFill>
+                  <a:srgbClr val="FFFFFF"/>
+                </a:solidFill>
+              </a14:hiddenFill>
+            </a:ext>
+          </a:extLst>
+        </p:spPr>
+      </p:pic>
     </p:spTree>
     <p:extLst>
       <p:ext uri="{BB962C8B-B14F-4D97-AF65-F5344CB8AC3E}">
@@ -3868,7 +3910,7 @@
           </p:blipFill>
           <p:spPr bwMode="auto">
             <a:xfrm>
-              <a:off x="5549076" y="1404978"/>
+              <a:off x="5144530" y="1409515"/>
               <a:ext cx="619610" cy="480197"/>
             </a:xfrm>
             <a:prstGeom prst="rect">
@@ -3998,8 +4040,8 @@
           </p:nvSpPr>
           <p:spPr>
             <a:xfrm>
-              <a:off x="5340061" y="3704113"/>
-              <a:ext cx="1180516" cy="307777"/>
+              <a:off x="5585513" y="3704113"/>
+              <a:ext cx="689612" cy="307777"/>
             </a:xfrm>
             <a:prstGeom prst="rect">
               <a:avLst/>
@@ -4015,8 +4057,9 @@
               <a:pPr algn="ctr"/>
               <a:r>
                 <a:rPr lang="es-MX" sz="1400" dirty="0" smtClean="0"/>
-                <a:t>Red Neuronal</a:t>
+                <a:t>ARIMA</a:t>
               </a:r>
+              <a:endParaRPr lang="es-MX" sz="1400" dirty="0" smtClean="0"/>
             </a:p>
           </p:txBody>
         </p:sp>
@@ -4488,11 +4531,52 @@
             </a:p>
           </p:txBody>
         </p:sp>
+        <p:pic>
+          <p:nvPicPr>
+            <p:cNvPr id="27" name="Picture 22" descr="Resultado de imagen para python"/>
+            <p:cNvPicPr>
+              <a:picLocks noChangeAspect="1" noChangeArrowheads="1"/>
+            </p:cNvPicPr>
+            <p:nvPr/>
+          </p:nvPicPr>
+          <p:blipFill>
+            <a:blip r:embed="rId3" cstate="print">
+              <a:extLst>
+                <a:ext uri="{28A0092B-C50C-407E-A947-70E740481C1C}">
+                  <a14:useLocalDpi xmlns:a14="http://schemas.microsoft.com/office/drawing/2010/main" val="0"/>
+                </a:ext>
+              </a:extLst>
+            </a:blip>
+            <a:srcRect/>
+            <a:stretch>
+              <a:fillRect/>
+            </a:stretch>
+          </p:blipFill>
+          <p:spPr bwMode="auto">
+            <a:xfrm>
+              <a:off x="6096456" y="1419645"/>
+              <a:ext cx="465612" cy="465612"/>
+            </a:xfrm>
+            <a:prstGeom prst="rect">
+              <a:avLst/>
+            </a:prstGeom>
+            <a:noFill/>
+            <a:extLst>
+              <a:ext uri="{909E8E84-426E-40DD-AFC4-6F175D3DCCD1}">
+                <a14:hiddenFill xmlns:a14="http://schemas.microsoft.com/office/drawing/2010/main">
+                  <a:solidFill>
+                    <a:srgbClr val="FFFFFF"/>
+                  </a:solidFill>
+                </a14:hiddenFill>
+              </a:ext>
+            </a:extLst>
+          </p:spPr>
+        </p:pic>
       </p:grpSp>
     </p:spTree>
     <p:extLst>
       <p:ext uri="{BB962C8B-B14F-4D97-AF65-F5344CB8AC3E}">
-        <p14:creationId xmlns:p14="http://schemas.microsoft.com/office/powerpoint/2010/main" val="2955686751"/>
+        <p14:creationId xmlns:p14="http://schemas.microsoft.com/office/powerpoint/2010/main" val="4266887429"/>
       </p:ext>
     </p:extLst>
   </p:cSld>
